--- a/He-Thong-Tim-Kiem-Van-Ban-Phap-Luat-voi-RAG.pptx
+++ b/He-Thong-Tim-Kiem-Van-Ban-Phap-Luat-voi-RAG.pptx
@@ -1973,7 +1973,7 @@
         </p:nvSpPr>
         <p:spPr>
           <a:xfrm>
-            <a:off x="6280190" y="3028355"/>
+            <a:off x="6280188" y="925865"/>
             <a:ext cx="7556421" cy="1240155"/>
           </a:xfrm>
           <a:prstGeom prst="rect">
@@ -2015,7 +2015,7 @@
         </p:nvSpPr>
         <p:spPr>
           <a:xfrm>
-            <a:off x="6280190" y="4566166"/>
+            <a:off x="6280190" y="2547662"/>
             <a:ext cx="7556421" cy="635079"/>
           </a:xfrm>
           <a:prstGeom prst="rect">
@@ -2046,6 +2046,405 @@
               <a:t>Đồ án môn Trí tuệ nhân tạo - Ứng dụng Retrieval-Augmented Generation cho văn bản Luật Việt Nam</a:t>
             </a:r>
             <a:endParaRPr lang="en-US" sz="1550" dirty="0"/>
+          </a:p>
+        </p:txBody>
+      </p:sp>
+      <p:sp>
+        <p:nvSpPr>
+          <p:cNvPr id="2" name="Text 0">
+            <a:extLst>
+              <a:ext uri="{FF2B5EF4-FFF2-40B4-BE49-F238E27FC236}">
+                <a16:creationId xmlns:a16="http://schemas.microsoft.com/office/drawing/2014/main" id="{092D217F-DD6D-1025-E323-6946BE605CD5}"/>
+              </a:ext>
+            </a:extLst>
+          </p:cNvPr>
+          <p:cNvSpPr/>
+          <p:nvPr/>
+        </p:nvSpPr>
+        <p:spPr>
+          <a:xfrm>
+            <a:off x="6280189" y="4905476"/>
+            <a:ext cx="7556421" cy="2695915"/>
+          </a:xfrm>
+          <a:prstGeom prst="rect">
+            <a:avLst/>
+          </a:prstGeom>
+          <a:noFill/>
+          <a:ln/>
+        </p:spPr>
+        <p:txBody>
+          <a:bodyPr wrap="square" lIns="0" tIns="0" rIns="0" bIns="0" rtlCol="0" anchor="t"/>
+          <a:lstStyle/>
+          <a:p>
+            <a:pPr marL="0" indent="0" algn="l">
+              <a:lnSpc>
+                <a:spcPts val="4850"/>
+              </a:lnSpc>
+              <a:buNone/>
+            </a:pPr>
+            <a:r>
+              <a:rPr lang="en-US" dirty="0"/>
+              <a:t> </a:t>
+            </a:r>
+            <a:endParaRPr lang="en-US" sz="1200" b="1" dirty="0">
+              <a:solidFill>
+                <a:srgbClr val="000000"/>
+              </a:solidFill>
+              <a:latin typeface="Nunito Sans Bold" pitchFamily="34" charset="0"/>
+              <a:ea typeface="Nunito Sans Bold" pitchFamily="34" charset="-122"/>
+              <a:cs typeface="Nunito Sans Bold" pitchFamily="34" charset="-120"/>
+            </a:endParaRPr>
+          </a:p>
+          <a:p>
+            <a:pPr marL="0" indent="0" algn="l">
+              <a:lnSpc>
+                <a:spcPts val="4850"/>
+              </a:lnSpc>
+              <a:buNone/>
+            </a:pPr>
+            <a:endParaRPr lang="en-US" sz="1200" b="1" dirty="0">
+              <a:solidFill>
+                <a:srgbClr val="000000"/>
+              </a:solidFill>
+              <a:latin typeface="Nunito Sans Bold" pitchFamily="34" charset="0"/>
+              <a:ea typeface="Nunito Sans Bold" pitchFamily="34" charset="-122"/>
+              <a:cs typeface="Nunito Sans Bold" pitchFamily="34" charset="-120"/>
+            </a:endParaRPr>
+          </a:p>
+          <a:p>
+            <a:pPr marL="0" indent="0" algn="l">
+              <a:buNone/>
+            </a:pPr>
+            <a:endParaRPr lang="en-US" sz="1200" b="1" dirty="0">
+              <a:solidFill>
+                <a:srgbClr val="000000"/>
+              </a:solidFill>
+              <a:latin typeface="Nunito Sans Bold" pitchFamily="34" charset="0"/>
+              <a:ea typeface="Nunito Sans Bold" pitchFamily="34" charset="-122"/>
+              <a:cs typeface="Nunito Sans Bold" pitchFamily="34" charset="-120"/>
+            </a:endParaRPr>
+          </a:p>
+          <a:p>
+            <a:pPr marL="0" indent="0" algn="l">
+              <a:lnSpc>
+                <a:spcPts val="4850"/>
+              </a:lnSpc>
+              <a:buNone/>
+            </a:pPr>
+            <a:endParaRPr lang="en-US" sz="1200" b="1" dirty="0">
+              <a:solidFill>
+                <a:srgbClr val="000000"/>
+              </a:solidFill>
+              <a:latin typeface="Nunito Sans Bold" pitchFamily="34" charset="0"/>
+              <a:ea typeface="Nunito Sans Bold" pitchFamily="34" charset="-122"/>
+              <a:cs typeface="Nunito Sans Bold" pitchFamily="34" charset="-120"/>
+            </a:endParaRPr>
+          </a:p>
+          <a:p>
+            <a:pPr marL="0" indent="0" algn="l">
+              <a:lnSpc>
+                <a:spcPts val="4850"/>
+              </a:lnSpc>
+              <a:buNone/>
+            </a:pPr>
+            <a:endParaRPr lang="en-US" sz="1200" b="1" dirty="0">
+              <a:solidFill>
+                <a:srgbClr val="000000"/>
+              </a:solidFill>
+              <a:latin typeface="Nunito Sans Bold" pitchFamily="34" charset="0"/>
+              <a:ea typeface="Nunito Sans Bold" pitchFamily="34" charset="-122"/>
+              <a:cs typeface="Nunito Sans Bold" pitchFamily="34" charset="-120"/>
+            </a:endParaRPr>
+          </a:p>
+          <a:p>
+            <a:pPr marL="0" indent="0" algn="l">
+              <a:lnSpc>
+                <a:spcPts val="4850"/>
+              </a:lnSpc>
+              <a:buNone/>
+            </a:pPr>
+            <a:endParaRPr lang="en-US" sz="1200" dirty="0"/>
+          </a:p>
+        </p:txBody>
+      </p:sp>
+      <p:sp>
+        <p:nvSpPr>
+          <p:cNvPr id="9" name="TextBox 8">
+            <a:extLst>
+              <a:ext uri="{FF2B5EF4-FFF2-40B4-BE49-F238E27FC236}">
+                <a16:creationId xmlns:a16="http://schemas.microsoft.com/office/drawing/2014/main" id="{943F961E-DCD9-5093-640D-D2E5768A13EB}"/>
+              </a:ext>
+            </a:extLst>
+          </p:cNvPr>
+          <p:cNvSpPr txBox="1"/>
+          <p:nvPr/>
+        </p:nvSpPr>
+        <p:spPr>
+          <a:xfrm>
+            <a:off x="6280188" y="3504909"/>
+            <a:ext cx="7315200" cy="4403128"/>
+          </a:xfrm>
+          <a:prstGeom prst="rect">
+            <a:avLst/>
+          </a:prstGeom>
+          <a:noFill/>
+        </p:spPr>
+        <p:txBody>
+          <a:bodyPr wrap="square">
+            <a:spAutoFit/>
+          </a:bodyPr>
+          <a:lstStyle/>
+          <a:p>
+            <a:pPr marL="0" indent="0" algn="l">
+              <a:lnSpc>
+                <a:spcPts val="4850"/>
+              </a:lnSpc>
+              <a:buNone/>
+            </a:pPr>
+            <a:r>
+              <a:rPr lang="en-US" b="1" dirty="0">
+                <a:solidFill>
+                  <a:srgbClr val="000000"/>
+                </a:solidFill>
+                <a:latin typeface="Nunito Sans" pitchFamily="2" charset="0"/>
+                <a:ea typeface="Nunito Sans Bold" pitchFamily="34" charset="-122"/>
+                <a:cs typeface="Times New Roman" panose="02020603050405020304" pitchFamily="18" charset="0"/>
+              </a:rPr>
+              <a:t>Thành </a:t>
+            </a:r>
+            <a:r>
+              <a:rPr lang="en-US" b="1" dirty="0" err="1">
+                <a:solidFill>
+                  <a:srgbClr val="000000"/>
+                </a:solidFill>
+                <a:latin typeface="Nunito Sans" pitchFamily="2" charset="0"/>
+                <a:ea typeface="Nunito Sans Bold" pitchFamily="34" charset="-122"/>
+                <a:cs typeface="Times New Roman" panose="02020603050405020304" pitchFamily="18" charset="0"/>
+              </a:rPr>
+              <a:t>viên</a:t>
+            </a:r>
+            <a:r>
+              <a:rPr lang="en-US" b="1" dirty="0">
+                <a:solidFill>
+                  <a:srgbClr val="000000"/>
+                </a:solidFill>
+                <a:latin typeface="Nunito Sans" pitchFamily="2" charset="0"/>
+                <a:ea typeface="Nunito Sans Bold" pitchFamily="34" charset="-122"/>
+                <a:cs typeface="Times New Roman" panose="02020603050405020304" pitchFamily="18" charset="0"/>
+              </a:rPr>
+              <a:t>:</a:t>
+            </a:r>
+          </a:p>
+          <a:p>
+            <a:pPr marL="0" indent="0" algn="l">
+              <a:lnSpc>
+                <a:spcPts val="4850"/>
+              </a:lnSpc>
+              <a:buNone/>
+            </a:pPr>
+            <a:r>
+              <a:rPr lang="en-US" dirty="0">
+                <a:solidFill>
+                  <a:srgbClr val="000000"/>
+                </a:solidFill>
+                <a:latin typeface="Nunito Sans" pitchFamily="2" charset="0"/>
+                <a:ea typeface="Nunito Sans Bold" pitchFamily="34" charset="-122"/>
+                <a:cs typeface="Times New Roman" panose="02020603050405020304" pitchFamily="18" charset="0"/>
+              </a:rPr>
+              <a:t>Bùi Quang </a:t>
+            </a:r>
+            <a:r>
+              <a:rPr lang="en-US" dirty="0" err="1">
+                <a:solidFill>
+                  <a:srgbClr val="000000"/>
+                </a:solidFill>
+                <a:latin typeface="Nunito Sans" pitchFamily="2" charset="0"/>
+                <a:ea typeface="Nunito Sans Bold" pitchFamily="34" charset="-122"/>
+                <a:cs typeface="Times New Roman" panose="02020603050405020304" pitchFamily="18" charset="0"/>
+              </a:rPr>
+              <a:t>Đán</a:t>
+            </a:r>
+            <a:r>
+              <a:rPr lang="en-US" dirty="0">
+                <a:solidFill>
+                  <a:srgbClr val="000000"/>
+                </a:solidFill>
+                <a:latin typeface="Nunito Sans" pitchFamily="2" charset="0"/>
+                <a:ea typeface="Nunito Sans Bold" pitchFamily="34" charset="-122"/>
+                <a:cs typeface="Times New Roman" panose="02020603050405020304" pitchFamily="18" charset="0"/>
+              </a:rPr>
+              <a:t> – 25210007</a:t>
+            </a:r>
+          </a:p>
+          <a:p>
+            <a:pPr marL="0" indent="0" algn="l">
+              <a:lnSpc>
+                <a:spcPts val="4850"/>
+              </a:lnSpc>
+              <a:buNone/>
+            </a:pPr>
+            <a:r>
+              <a:rPr lang="en-US" dirty="0">
+                <a:solidFill>
+                  <a:srgbClr val="000000"/>
+                </a:solidFill>
+                <a:latin typeface="Nunito Sans" pitchFamily="2" charset="0"/>
+                <a:ea typeface="Nunito Sans Bold" pitchFamily="34" charset="-122"/>
+                <a:cs typeface="Times New Roman" panose="02020603050405020304" pitchFamily="18" charset="0"/>
+              </a:rPr>
+              <a:t>Nguyễn Huỳnh Đạt – 25210009</a:t>
+            </a:r>
+          </a:p>
+          <a:p>
+            <a:pPr>
+              <a:lnSpc>
+                <a:spcPts val="4850"/>
+              </a:lnSpc>
+            </a:pPr>
+            <a:r>
+              <a:rPr lang="en-US" dirty="0" err="1">
+                <a:solidFill>
+                  <a:srgbClr val="000000"/>
+                </a:solidFill>
+                <a:latin typeface="Nunito Sans" pitchFamily="2" charset="0"/>
+                <a:ea typeface="Nunito Sans Bold" pitchFamily="34" charset="-122"/>
+                <a:cs typeface="Times New Roman" panose="02020603050405020304" pitchFamily="18" charset="0"/>
+              </a:rPr>
+              <a:t>Trần</a:t>
+            </a:r>
+            <a:r>
+              <a:rPr lang="en-US" dirty="0">
+                <a:solidFill>
+                  <a:srgbClr val="000000"/>
+                </a:solidFill>
+                <a:latin typeface="Nunito Sans" pitchFamily="2" charset="0"/>
+                <a:ea typeface="Nunito Sans Bold" pitchFamily="34" charset="-122"/>
+                <a:cs typeface="Times New Roman" panose="02020603050405020304" pitchFamily="18" charset="0"/>
+              </a:rPr>
+              <a:t> Võ </a:t>
+            </a:r>
+            <a:r>
+              <a:rPr lang="en-US" dirty="0" err="1">
+                <a:solidFill>
+                  <a:srgbClr val="000000"/>
+                </a:solidFill>
+                <a:latin typeface="Nunito Sans" pitchFamily="2" charset="0"/>
+                <a:ea typeface="Nunito Sans Bold" pitchFamily="34" charset="-122"/>
+                <a:cs typeface="Times New Roman" panose="02020603050405020304" pitchFamily="18" charset="0"/>
+              </a:rPr>
+              <a:t>Ngọc</a:t>
+            </a:r>
+            <a:r>
+              <a:rPr lang="en-US" dirty="0">
+                <a:solidFill>
+                  <a:srgbClr val="000000"/>
+                </a:solidFill>
+                <a:latin typeface="Nunito Sans" pitchFamily="2" charset="0"/>
+                <a:ea typeface="Nunito Sans Bold" pitchFamily="34" charset="-122"/>
+                <a:cs typeface="Times New Roman" panose="02020603050405020304" pitchFamily="18" charset="0"/>
+              </a:rPr>
+              <a:t> Đạt – </a:t>
+            </a:r>
+            <a:r>
+              <a:rPr lang="en-US" dirty="0">
+                <a:latin typeface="Nunito Sans" pitchFamily="2" charset="0"/>
+                <a:cs typeface="Times New Roman" panose="02020603050405020304" pitchFamily="18" charset="0"/>
+              </a:rPr>
+              <a:t>25210010</a:t>
+            </a:r>
+          </a:p>
+          <a:p>
+            <a:pPr>
+              <a:lnSpc>
+                <a:spcPts val="4850"/>
+              </a:lnSpc>
+            </a:pPr>
+            <a:r>
+              <a:rPr lang="en-US" dirty="0">
+                <a:solidFill>
+                  <a:srgbClr val="000000"/>
+                </a:solidFill>
+                <a:latin typeface="Nunito Sans" pitchFamily="2" charset="0"/>
+                <a:ea typeface="Nunito Sans Bold" pitchFamily="34" charset="-122"/>
+                <a:cs typeface="Times New Roman" panose="02020603050405020304" pitchFamily="18" charset="0"/>
+              </a:rPr>
+              <a:t>Nguyễn </a:t>
+            </a:r>
+            <a:r>
+              <a:rPr lang="en-US">
+                <a:solidFill>
+                  <a:srgbClr val="000000"/>
+                </a:solidFill>
+                <a:latin typeface="Nunito Sans" pitchFamily="2" charset="0"/>
+                <a:ea typeface="Nunito Sans Bold" pitchFamily="34" charset="-122"/>
+                <a:cs typeface="Times New Roman" panose="02020603050405020304" pitchFamily="18" charset="0"/>
+              </a:rPr>
+              <a:t>Cao Nguyên - 25210025</a:t>
+            </a:r>
+            <a:endParaRPr lang="en-US" dirty="0">
+              <a:solidFill>
+                <a:srgbClr val="000000"/>
+              </a:solidFill>
+              <a:latin typeface="Nunito Sans" pitchFamily="2" charset="0"/>
+              <a:ea typeface="Nunito Sans Bold" pitchFamily="34" charset="-122"/>
+              <a:cs typeface="Times New Roman" panose="02020603050405020304" pitchFamily="18" charset="0"/>
+            </a:endParaRPr>
+          </a:p>
+          <a:p>
+            <a:pPr>
+              <a:lnSpc>
+                <a:spcPts val="4850"/>
+              </a:lnSpc>
+            </a:pPr>
+            <a:r>
+              <a:rPr lang="en-US" dirty="0">
+                <a:latin typeface="Nunito Sans" pitchFamily="2" charset="0"/>
+                <a:cs typeface="Times New Roman" panose="02020603050405020304" pitchFamily="18" charset="0"/>
+              </a:rPr>
+              <a:t>Võ Hoàng </a:t>
+            </a:r>
+            <a:r>
+              <a:rPr lang="en-US" dirty="0" err="1">
+                <a:latin typeface="Nunito Sans" pitchFamily="2" charset="0"/>
+                <a:cs typeface="Times New Roman" panose="02020603050405020304" pitchFamily="18" charset="0"/>
+              </a:rPr>
+              <a:t>Lộc</a:t>
+            </a:r>
+            <a:r>
+              <a:rPr lang="en-US" dirty="0">
+                <a:latin typeface="Nunito Sans" pitchFamily="2" charset="0"/>
+                <a:cs typeface="Times New Roman" panose="02020603050405020304" pitchFamily="18" charset="0"/>
+              </a:rPr>
+              <a:t> - 25730003</a:t>
+            </a:r>
+          </a:p>
+          <a:p>
+            <a:pPr>
+              <a:lnSpc>
+                <a:spcPts val="4850"/>
+              </a:lnSpc>
+            </a:pPr>
+            <a:r>
+              <a:rPr lang="en-US" dirty="0">
+                <a:latin typeface="Nunito Sans" pitchFamily="2" charset="0"/>
+                <a:cs typeface="Times New Roman" panose="02020603050405020304" pitchFamily="18" charset="0"/>
+              </a:rPr>
+              <a:t>Đặng </a:t>
+            </a:r>
+            <a:r>
+              <a:rPr lang="en-US" dirty="0" err="1">
+                <a:latin typeface="Nunito Sans" pitchFamily="2" charset="0"/>
+                <a:cs typeface="Times New Roman" panose="02020603050405020304" pitchFamily="18" charset="0"/>
+              </a:rPr>
+              <a:t>Thị</a:t>
+            </a:r>
+            <a:r>
+              <a:rPr lang="en-US" dirty="0">
+                <a:latin typeface="Nunito Sans" pitchFamily="2" charset="0"/>
+                <a:cs typeface="Times New Roman" panose="02020603050405020304" pitchFamily="18" charset="0"/>
+              </a:rPr>
+              <a:t> Phương Thảo - 25210037</a:t>
+            </a:r>
           </a:p>
         </p:txBody>
       </p:sp>

--- a/He-Thong-Tim-Kiem-Van-Ban-Phap-Luat-voi-RAG.pptx
+++ b/He-Thong-Tim-Kiem-Van-Ban-Phap-Luat-voi-RAG.pptx
@@ -2444,6 +2444,41 @@
                 <a:cs typeface="Times New Roman" panose="02020603050405020304" pitchFamily="18" charset="0"/>
               </a:rPr>
               <a:t> Phương Thảo - 25210037</a:t>
+            </a:r>
+          </a:p>
+        </p:txBody>
+      </p:sp>
+      <p:sp>
+        <p:nvSpPr>
+          <p:cNvPr id="6" name="TextBox 5">
+            <a:extLst>
+              <a:ext uri="{FF2B5EF4-FFF2-40B4-BE49-F238E27FC236}">
+                <a16:creationId xmlns:a16="http://schemas.microsoft.com/office/drawing/2014/main" id="{F31887D3-18FF-3806-3B85-6E17B553BE19}"/>
+              </a:ext>
+            </a:extLst>
+          </p:cNvPr>
+          <p:cNvSpPr txBox="1"/>
+          <p:nvPr/>
+        </p:nvSpPr>
+        <p:spPr>
+          <a:xfrm>
+            <a:off x="119743" y="3320243"/>
+            <a:ext cx="7315200" cy="369332"/>
+          </a:xfrm>
+          <a:prstGeom prst="rect">
+            <a:avLst/>
+          </a:prstGeom>
+          <a:noFill/>
+        </p:spPr>
+        <p:txBody>
+          <a:bodyPr wrap="square">
+            <a:spAutoFit/>
+          </a:bodyPr>
+          <a:lstStyle/>
+          <a:p>
+            <a:r>
+              <a:rPr lang="en-US" b="1" dirty="0"/>
+              <a:t>https://github.com/danbui/law_model/tree/gemini-integration</a:t>
             </a:r>
           </a:p>
         </p:txBody>
